--- a/public/images/sign up button.pptx
+++ b/public/images/sign up button.pptx
@@ -7238,8 +7238,8 @@
         </p:nvSpPr>
         <p:spPr>
           <a:xfrm>
-            <a:off x="5742517" y="3952643"/>
-            <a:ext cx="866050" cy="273051"/>
+            <a:off x="5742518" y="3952643"/>
+            <a:ext cx="819150" cy="273051"/>
           </a:xfrm>
           <a:prstGeom prst="roundRect">
             <a:avLst>
@@ -7250,71 +7250,6 @@
             <a:gsLst>
               <a:gs pos="0">
                 <a:srgbClr val="009F00"/>
-              </a:gs>
-              <a:gs pos="100000">
-                <a:srgbClr val="00D000"/>
-              </a:gs>
-              <a:gs pos="50000">
-                <a:srgbClr val="00AB00"/>
-              </a:gs>
-            </a:gsLst>
-          </a:gradFill>
-          <a:ln w="6350" cmpd="sng">
-            <a:solidFill>
-              <a:srgbClr val="009F00"/>
-            </a:solidFill>
-          </a:ln>
-          <a:effectLst>
-            <a:outerShdw blurRad="50800" dist="38100" dir="8100000" algn="tr" rotWithShape="0">
-              <a:prstClr val="black">
-                <a:alpha val="40000"/>
-              </a:prstClr>
-            </a:outerShdw>
-          </a:effectLst>
-        </p:spPr>
-        <p:style>
-          <a:lnRef idx="1">
-            <a:schemeClr val="accent1"/>
-          </a:lnRef>
-          <a:fillRef idx="3">
-            <a:schemeClr val="accent1"/>
-          </a:fillRef>
-          <a:effectRef idx="2">
-            <a:schemeClr val="accent1"/>
-          </a:effectRef>
-          <a:fontRef idx="minor">
-            <a:schemeClr val="lt1"/>
-          </a:fontRef>
-        </p:style>
-        <p:txBody>
-          <a:bodyPr rtlCol="0" anchor="ctr"/>
-          <a:lstStyle/>
-          <a:p>
-            <a:pPr algn="ctr"/>
-            <a:endParaRPr lang="en-US" sz="2000"/>
-          </a:p>
-        </p:txBody>
-      </p:sp>
-      <p:sp>
-        <p:nvSpPr>
-          <p:cNvPr id="112" name="Rounded Rectangle 111"/>
-          <p:cNvSpPr/>
-          <p:nvPr/>
-        </p:nvSpPr>
-        <p:spPr>
-          <a:xfrm>
-            <a:off x="5731218" y="4306901"/>
-            <a:ext cx="866050" cy="273051"/>
-          </a:xfrm>
-          <a:prstGeom prst="roundRect">
-            <a:avLst>
-              <a:gd name="adj" fmla="val 11238"/>
-            </a:avLst>
-          </a:prstGeom>
-          <a:gradFill>
-            <a:gsLst>
-              <a:gs pos="0">
-                <a:srgbClr val="009700"/>
               </a:gs>
               <a:gs pos="100000">
                 <a:srgbClr val="00D000"/>
@@ -7939,6 +7874,71 @@
               <a:latin typeface="Helvetica"/>
               <a:cs typeface="Helvetica"/>
             </a:endParaRPr>
+          </a:p>
+        </p:txBody>
+      </p:sp>
+      <p:sp>
+        <p:nvSpPr>
+          <p:cNvPr id="124" name="Rounded Rectangle 123"/>
+          <p:cNvSpPr/>
+          <p:nvPr/>
+        </p:nvSpPr>
+        <p:spPr>
+          <a:xfrm>
+            <a:off x="5742518" y="4363278"/>
+            <a:ext cx="819150" cy="273051"/>
+          </a:xfrm>
+          <a:prstGeom prst="roundRect">
+            <a:avLst>
+              <a:gd name="adj" fmla="val 11238"/>
+            </a:avLst>
+          </a:prstGeom>
+          <a:gradFill>
+            <a:gsLst>
+              <a:gs pos="0">
+                <a:srgbClr val="009500"/>
+              </a:gs>
+              <a:gs pos="100000">
+                <a:srgbClr val="00D000"/>
+              </a:gs>
+              <a:gs pos="50000">
+                <a:srgbClr val="00AB00"/>
+              </a:gs>
+            </a:gsLst>
+          </a:gradFill>
+          <a:ln w="6350" cmpd="sng">
+            <a:solidFill>
+              <a:srgbClr val="009F00"/>
+            </a:solidFill>
+          </a:ln>
+          <a:effectLst>
+            <a:outerShdw blurRad="50800" dist="38100" dir="8100000" algn="tr" rotWithShape="0">
+              <a:prstClr val="black">
+                <a:alpha val="40000"/>
+              </a:prstClr>
+            </a:outerShdw>
+          </a:effectLst>
+        </p:spPr>
+        <p:style>
+          <a:lnRef idx="1">
+            <a:schemeClr val="accent1"/>
+          </a:lnRef>
+          <a:fillRef idx="3">
+            <a:schemeClr val="accent1"/>
+          </a:fillRef>
+          <a:effectRef idx="2">
+            <a:schemeClr val="accent1"/>
+          </a:effectRef>
+          <a:fontRef idx="minor">
+            <a:schemeClr val="lt1"/>
+          </a:fontRef>
+        </p:style>
+        <p:txBody>
+          <a:bodyPr rtlCol="0" anchor="ctr"/>
+          <a:lstStyle/>
+          <a:p>
+            <a:pPr algn="ctr"/>
+            <a:endParaRPr lang="en-US" sz="2000"/>
           </a:p>
         </p:txBody>
       </p:sp>

--- a/public/images/sign up button.pptx
+++ b/public/images/sign up button.pptx
@@ -5,14 +5,15 @@
     <p:sldMasterId id="2147483648" r:id="rId1"/>
   </p:sldMasterIdLst>
   <p:notesMasterIdLst>
-    <p:notesMasterId r:id="rId7"/>
+    <p:notesMasterId r:id="rId8"/>
   </p:notesMasterIdLst>
   <p:sldIdLst>
     <p:sldId id="256" r:id="rId2"/>
     <p:sldId id="257" r:id="rId3"/>
     <p:sldId id="258" r:id="rId4"/>
-    <p:sldId id="259" r:id="rId5"/>
-    <p:sldId id="260" r:id="rId6"/>
+    <p:sldId id="261" r:id="rId5"/>
+    <p:sldId id="259" r:id="rId6"/>
+    <p:sldId id="260" r:id="rId7"/>
   </p:sldIdLst>
   <p:sldSz cx="9144000" cy="6858000" type="screen4x3"/>
   <p:notesSz cx="6858000" cy="9144000"/>
@@ -196,7 +197,7 @@
           <a:p>
             <a:fld id="{3530DF9F-EF69-8140-8CF3-64BD706816A4}" type="datetimeFigureOut">
               <a:rPr lang="en-US" smtClean="0"/>
-              <a:t>2/12/12</a:t>
+              <a:t>2/13/12</a:t>
             </a:fld>
             <a:endParaRPr lang="en-US"/>
           </a:p>
@@ -729,7 +730,7 @@
           <a:p>
             <a:fld id="{983B4708-A33E-5E4D-8EF5-E17A3A9745E6}" type="datetimeFigureOut">
               <a:rPr lang="en-US" smtClean="0"/>
-              <a:t>2/12/12</a:t>
+              <a:t>2/13/12</a:t>
             </a:fld>
             <a:endParaRPr lang="en-US"/>
           </a:p>
@@ -899,7 +900,7 @@
           <a:p>
             <a:fld id="{983B4708-A33E-5E4D-8EF5-E17A3A9745E6}" type="datetimeFigureOut">
               <a:rPr lang="en-US" smtClean="0"/>
-              <a:t>2/12/12</a:t>
+              <a:t>2/13/12</a:t>
             </a:fld>
             <a:endParaRPr lang="en-US"/>
           </a:p>
@@ -1079,7 +1080,7 @@
           <a:p>
             <a:fld id="{983B4708-A33E-5E4D-8EF5-E17A3A9745E6}" type="datetimeFigureOut">
               <a:rPr lang="en-US" smtClean="0"/>
-              <a:t>2/12/12</a:t>
+              <a:t>2/13/12</a:t>
             </a:fld>
             <a:endParaRPr lang="en-US"/>
           </a:p>
@@ -1249,7 +1250,7 @@
           <a:p>
             <a:fld id="{983B4708-A33E-5E4D-8EF5-E17A3A9745E6}" type="datetimeFigureOut">
               <a:rPr lang="en-US" smtClean="0"/>
-              <a:t>2/12/12</a:t>
+              <a:t>2/13/12</a:t>
             </a:fld>
             <a:endParaRPr lang="en-US"/>
           </a:p>
@@ -1495,7 +1496,7 @@
           <a:p>
             <a:fld id="{983B4708-A33E-5E4D-8EF5-E17A3A9745E6}" type="datetimeFigureOut">
               <a:rPr lang="en-US" smtClean="0"/>
-              <a:t>2/12/12</a:t>
+              <a:t>2/13/12</a:t>
             </a:fld>
             <a:endParaRPr lang="en-US"/>
           </a:p>
@@ -1783,7 +1784,7 @@
           <a:p>
             <a:fld id="{983B4708-A33E-5E4D-8EF5-E17A3A9745E6}" type="datetimeFigureOut">
               <a:rPr lang="en-US" smtClean="0"/>
-              <a:t>2/12/12</a:t>
+              <a:t>2/13/12</a:t>
             </a:fld>
             <a:endParaRPr lang="en-US"/>
           </a:p>
@@ -2205,7 +2206,7 @@
           <a:p>
             <a:fld id="{983B4708-A33E-5E4D-8EF5-E17A3A9745E6}" type="datetimeFigureOut">
               <a:rPr lang="en-US" smtClean="0"/>
-              <a:t>2/12/12</a:t>
+              <a:t>2/13/12</a:t>
             </a:fld>
             <a:endParaRPr lang="en-US"/>
           </a:p>
@@ -2323,7 +2324,7 @@
           <a:p>
             <a:fld id="{983B4708-A33E-5E4D-8EF5-E17A3A9745E6}" type="datetimeFigureOut">
               <a:rPr lang="en-US" smtClean="0"/>
-              <a:t>2/12/12</a:t>
+              <a:t>2/13/12</a:t>
             </a:fld>
             <a:endParaRPr lang="en-US"/>
           </a:p>
@@ -2418,7 +2419,7 @@
           <a:p>
             <a:fld id="{983B4708-A33E-5E4D-8EF5-E17A3A9745E6}" type="datetimeFigureOut">
               <a:rPr lang="en-US" smtClean="0"/>
-              <a:t>2/12/12</a:t>
+              <a:t>2/13/12</a:t>
             </a:fld>
             <a:endParaRPr lang="en-US"/>
           </a:p>
@@ -2695,7 +2696,7 @@
           <a:p>
             <a:fld id="{983B4708-A33E-5E4D-8EF5-E17A3A9745E6}" type="datetimeFigureOut">
               <a:rPr lang="en-US" smtClean="0"/>
-              <a:t>2/12/12</a:t>
+              <a:t>2/13/12</a:t>
             </a:fld>
             <a:endParaRPr lang="en-US"/>
           </a:p>
@@ -2948,7 +2949,7 @@
           <a:p>
             <a:fld id="{983B4708-A33E-5E4D-8EF5-E17A3A9745E6}" type="datetimeFigureOut">
               <a:rPr lang="en-US" smtClean="0"/>
-              <a:t>2/12/12</a:t>
+              <a:t>2/13/12</a:t>
             </a:fld>
             <a:endParaRPr lang="en-US"/>
           </a:p>
@@ -3161,7 +3162,7 @@
           <a:p>
             <a:fld id="{983B4708-A33E-5E4D-8EF5-E17A3A9745E6}" type="datetimeFigureOut">
               <a:rPr lang="en-US" smtClean="0"/>
-              <a:t>2/12/12</a:t>
+              <a:t>2/13/12</a:t>
             </a:fld>
             <a:endParaRPr lang="en-US"/>
           </a:p>
@@ -8180,25 +8181,170 @@
           <a:chExt cx="0" cy="0"/>
         </a:xfrm>
       </p:grpSpPr>
+      <p:sp>
+        <p:nvSpPr>
+          <p:cNvPr id="3" name="Rounded Rectangle 2"/>
+          <p:cNvSpPr/>
+          <p:nvPr/>
+        </p:nvSpPr>
+        <p:spPr>
+          <a:xfrm>
+            <a:off x="2641989" y="1133263"/>
+            <a:ext cx="3530212" cy="2130637"/>
+          </a:xfrm>
+          <a:prstGeom prst="roundRect">
+            <a:avLst>
+              <a:gd name="adj" fmla="val 47738"/>
+            </a:avLst>
+          </a:prstGeom>
+          <a:gradFill flip="none" rotWithShape="1">
+            <a:gsLst>
+              <a:gs pos="0">
+                <a:schemeClr val="bg1">
+                  <a:lumMod val="85000"/>
+                  <a:alpha val="83000"/>
+                </a:schemeClr>
+              </a:gs>
+              <a:gs pos="100000">
+                <a:schemeClr val="bg1">
+                  <a:lumMod val="50000"/>
+                  <a:alpha val="83000"/>
+                </a:schemeClr>
+              </a:gs>
+            </a:gsLst>
+            <a:lin ang="0" scaled="1"/>
+            <a:tileRect/>
+          </a:gradFill>
+          <a:ln>
+            <a:noFill/>
+          </a:ln>
+          <a:effectLst>
+            <a:outerShdw blurRad="40000" dist="23000" dir="5400000" rotWithShape="0">
+              <a:schemeClr val="bg1">
+                <a:lumMod val="65000"/>
+                <a:alpha val="35000"/>
+              </a:schemeClr>
+            </a:outerShdw>
+            <a:softEdge rad="368300"/>
+          </a:effectLst>
+        </p:spPr>
+        <p:style>
+          <a:lnRef idx="1">
+            <a:schemeClr val="accent1"/>
+          </a:lnRef>
+          <a:fillRef idx="3">
+            <a:schemeClr val="accent1"/>
+          </a:fillRef>
+          <a:effectRef idx="2">
+            <a:schemeClr val="accent1"/>
+          </a:effectRef>
+          <a:fontRef idx="minor">
+            <a:schemeClr val="lt1"/>
+          </a:fontRef>
+        </p:style>
+        <p:txBody>
+          <a:bodyPr rtlCol="0" anchor="ctr">
+            <a:scene3d>
+              <a:camera prst="orthographicFront"/>
+              <a:lightRig rig="threePt" dir="t"/>
+            </a:scene3d>
+            <a:sp3d extrusionH="57150">
+              <a:bevelT w="38100" h="38100"/>
+            </a:sp3d>
+          </a:bodyPr>
+          <a:lstStyle/>
+          <a:p>
+            <a:pPr algn="ctr"/>
+            <a:endParaRPr lang="en-US"/>
+          </a:p>
+        </p:txBody>
+      </p:sp>
+      <p:sp>
+        <p:nvSpPr>
+          <p:cNvPr id="4" name="TextBox 3"/>
+          <p:cNvSpPr txBox="1"/>
+          <p:nvPr/>
+        </p:nvSpPr>
+        <p:spPr>
+          <a:xfrm>
+            <a:off x="3160858" y="1931909"/>
+            <a:ext cx="2518273" cy="359496"/>
+          </a:xfrm>
+          <a:prstGeom prst="rect">
+            <a:avLst/>
+          </a:prstGeom>
+          <a:noFill/>
+        </p:spPr>
+        <p:txBody>
+          <a:bodyPr wrap="square" rtlCol="0">
+            <a:spAutoFit/>
+          </a:bodyPr>
+          <a:lstStyle/>
+          <a:p>
+            <a:pPr algn="ctr"/>
+            <a:r>
+              <a:rPr lang="en-US" sz="2000" b="1" dirty="0" smtClean="0">
+                <a:solidFill>
+                  <a:srgbClr val="2F6C83"/>
+                </a:solidFill>
+                <a:latin typeface="Thonburi"/>
+                <a:cs typeface="Thonburi"/>
+              </a:rPr>
+              <a:t>image</a:t>
+            </a:r>
+            <a:endParaRPr lang="en-US" sz="2000" b="1" dirty="0">
+              <a:solidFill>
+                <a:srgbClr val="2F6C83"/>
+              </a:solidFill>
+              <a:latin typeface="Thonburi"/>
+              <a:cs typeface="Thonburi"/>
+            </a:endParaRPr>
+          </a:p>
+        </p:txBody>
+      </p:sp>
+    </p:spTree>
+    <p:extLst>
+      <p:ext uri="{BB962C8B-B14F-4D97-AF65-F5344CB8AC3E}">
+        <p14:creationId xmlns:p14="http://schemas.microsoft.com/office/powerpoint/2010/main" val="522053923"/>
+      </p:ext>
+    </p:extLst>
+  </p:cSld>
+  <p:clrMapOvr>
+    <a:masterClrMapping/>
+  </p:clrMapOvr>
+</p:sld>
+</file>
+
+<file path=ppt/slides/slide4.xml><?xml version="1.0" encoding="utf-8"?>
+<p:sld xmlns:a="http://schemas.openxmlformats.org/drawingml/2006/main" xmlns:r="http://schemas.openxmlformats.org/officeDocument/2006/relationships" xmlns:p="http://schemas.openxmlformats.org/presentationml/2006/main">
+  <p:cSld>
+    <p:spTree>
+      <p:nvGrpSpPr>
+        <p:cNvPr id="1" name=""/>
+        <p:cNvGrpSpPr/>
+        <p:nvPr/>
+      </p:nvGrpSpPr>
+      <p:grpSpPr>
+        <a:xfrm>
+          <a:off x="0" y="0"/>
+          <a:ext cx="0" cy="0"/>
+          <a:chOff x="0" y="0"/>
+          <a:chExt cx="0" cy="0"/>
+        </a:xfrm>
+      </p:grpSpPr>
       <p:grpSp>
         <p:nvGrpSpPr>
-          <p:cNvPr id="2" name="Group 1"/>
+          <p:cNvPr id="22" name="Group 21"/>
           <p:cNvGrpSpPr/>
           <p:nvPr/>
         </p:nvGrpSpPr>
         <p:grpSpPr>
           <a:xfrm>
-            <a:off x="2229239" y="1266613"/>
-            <a:ext cx="2816894" cy="2323254"/>
-            <a:chOff x="-1256943" y="1241643"/>
-            <a:chExt cx="3206750" cy="1447800"/>
+            <a:off x="2499767" y="812800"/>
+            <a:ext cx="4239873" cy="3771900"/>
+            <a:chOff x="2510177" y="812800"/>
+            <a:chExt cx="4239873" cy="3771900"/>
           </a:xfrm>
-          <a:solidFill>
-            <a:schemeClr val="accent1">
-              <a:lumMod val="40000"/>
-              <a:lumOff val="60000"/>
-            </a:schemeClr>
-          </a:solidFill>
         </p:grpSpPr>
         <p:sp>
           <p:nvSpPr>
@@ -8208,18 +8354,329 @@
           </p:nvSpPr>
           <p:spPr>
             <a:xfrm>
-              <a:off x="-1256943" y="1241643"/>
-              <a:ext cx="3206750" cy="1447800"/>
+              <a:off x="2510177" y="812800"/>
+              <a:ext cx="4239873" cy="3771900"/>
             </a:xfrm>
             <a:prstGeom prst="roundRect">
               <a:avLst>
-                <a:gd name="adj" fmla="val 5417"/>
+                <a:gd name="adj" fmla="val 21311"/>
               </a:avLst>
             </a:prstGeom>
-            <a:grpFill/>
+            <a:gradFill flip="none" rotWithShape="1">
+              <a:gsLst>
+                <a:gs pos="0">
+                  <a:srgbClr val="FFF7BC">
+                    <a:alpha val="83000"/>
+                  </a:srgbClr>
+                </a:gs>
+                <a:gs pos="100000">
+                  <a:srgbClr val="F2EBB2">
+                    <a:alpha val="83000"/>
+                  </a:srgbClr>
+                </a:gs>
+              </a:gsLst>
+              <a:path path="circle">
+                <a:fillToRect l="50000" t="50000" r="50000" b="50000"/>
+              </a:path>
+              <a:tileRect/>
+            </a:gradFill>
             <a:ln>
               <a:noFill/>
             </a:ln>
+            <a:effectLst>
+              <a:outerShdw blurRad="40000" dist="23000" dir="5400000" rotWithShape="0">
+                <a:schemeClr val="bg1">
+                  <a:lumMod val="65000"/>
+                  <a:alpha val="35000"/>
+                </a:schemeClr>
+              </a:outerShdw>
+              <a:softEdge rad="190500"/>
+            </a:effectLst>
+          </p:spPr>
+          <p:style>
+            <a:lnRef idx="1">
+              <a:schemeClr val="accent1"/>
+            </a:lnRef>
+            <a:fillRef idx="3">
+              <a:schemeClr val="accent1"/>
+            </a:fillRef>
+            <a:effectRef idx="2">
+              <a:schemeClr val="accent1"/>
+            </a:effectRef>
+            <a:fontRef idx="minor">
+              <a:schemeClr val="lt1"/>
+            </a:fontRef>
+          </p:style>
+          <p:txBody>
+            <a:bodyPr rtlCol="0" anchor="ctr">
+              <a:scene3d>
+                <a:camera prst="orthographicFront"/>
+                <a:lightRig rig="threePt" dir="t"/>
+              </a:scene3d>
+              <a:sp3d extrusionH="57150">
+                <a:bevelT w="38100" h="38100"/>
+              </a:sp3d>
+            </a:bodyPr>
+            <a:lstStyle/>
+            <a:p>
+              <a:pPr algn="ctr"/>
+              <a:endParaRPr lang="en-US"/>
+            </a:p>
+          </p:txBody>
+        </p:sp>
+        <p:sp>
+          <p:nvSpPr>
+            <p:cNvPr id="4" name="TextBox 3"/>
+            <p:cNvSpPr txBox="1"/>
+            <p:nvPr/>
+          </p:nvSpPr>
+          <p:spPr>
+            <a:xfrm>
+              <a:off x="2685621" y="2549723"/>
+              <a:ext cx="1392092" cy="307777"/>
+            </a:xfrm>
+            <a:prstGeom prst="rect">
+              <a:avLst/>
+            </a:prstGeom>
+            <a:noFill/>
+          </p:spPr>
+          <p:txBody>
+            <a:bodyPr wrap="square" rtlCol="0">
+              <a:spAutoFit/>
+            </a:bodyPr>
+            <a:lstStyle/>
+            <a:p>
+              <a:pPr algn="ctr"/>
+              <a:r>
+                <a:rPr lang="en-US" sz="1400" b="1" dirty="0" smtClean="0">
+                  <a:solidFill>
+                    <a:srgbClr val="5895C6"/>
+                  </a:solidFill>
+                  <a:latin typeface="Thonburi"/>
+                  <a:cs typeface="Thonburi"/>
+                </a:rPr>
+                <a:t>STEP 1</a:t>
+              </a:r>
+              <a:endParaRPr lang="en-US" sz="1400" b="1" dirty="0">
+                <a:solidFill>
+                  <a:srgbClr val="5895C6"/>
+                </a:solidFill>
+                <a:latin typeface="Thonburi"/>
+                <a:cs typeface="Thonburi"/>
+              </a:endParaRPr>
+            </a:p>
+          </p:txBody>
+        </p:sp>
+        <p:sp>
+          <p:nvSpPr>
+            <p:cNvPr id="6" name="TextBox 5"/>
+            <p:cNvSpPr txBox="1"/>
+            <p:nvPr/>
+          </p:nvSpPr>
+          <p:spPr>
+            <a:xfrm>
+              <a:off x="4077713" y="2549723"/>
+              <a:ext cx="1392092" cy="307777"/>
+            </a:xfrm>
+            <a:prstGeom prst="rect">
+              <a:avLst/>
+            </a:prstGeom>
+            <a:noFill/>
+          </p:spPr>
+          <p:txBody>
+            <a:bodyPr wrap="square" rtlCol="0">
+              <a:spAutoFit/>
+            </a:bodyPr>
+            <a:lstStyle/>
+            <a:p>
+              <a:pPr algn="ctr"/>
+              <a:r>
+                <a:rPr lang="en-US" sz="1400" b="1" dirty="0" smtClean="0">
+                  <a:solidFill>
+                    <a:srgbClr val="5895C6"/>
+                  </a:solidFill>
+                  <a:latin typeface="Thonburi"/>
+                  <a:cs typeface="Thonburi"/>
+                </a:rPr>
+                <a:t>STEP 2</a:t>
+              </a:r>
+              <a:endParaRPr lang="en-US" sz="1400" b="1" dirty="0">
+                <a:solidFill>
+                  <a:srgbClr val="5895C6"/>
+                </a:solidFill>
+                <a:latin typeface="Thonburi"/>
+                <a:cs typeface="Thonburi"/>
+              </a:endParaRPr>
+            </a:p>
+          </p:txBody>
+        </p:sp>
+        <p:sp>
+          <p:nvSpPr>
+            <p:cNvPr id="8" name="TextBox 7"/>
+            <p:cNvSpPr txBox="1"/>
+            <p:nvPr/>
+          </p:nvSpPr>
+          <p:spPr>
+            <a:xfrm>
+              <a:off x="5580208" y="2562464"/>
+              <a:ext cx="1093642" cy="307777"/>
+            </a:xfrm>
+            <a:prstGeom prst="rect">
+              <a:avLst/>
+            </a:prstGeom>
+            <a:noFill/>
+          </p:spPr>
+          <p:txBody>
+            <a:bodyPr wrap="square" rtlCol="0">
+              <a:spAutoFit/>
+            </a:bodyPr>
+            <a:lstStyle/>
+            <a:p>
+              <a:pPr algn="ctr"/>
+              <a:r>
+                <a:rPr lang="en-US" sz="1400" b="1" dirty="0" smtClean="0">
+                  <a:solidFill>
+                    <a:srgbClr val="5895C6"/>
+                  </a:solidFill>
+                  <a:latin typeface="Thonburi"/>
+                  <a:cs typeface="Thonburi"/>
+                </a:rPr>
+                <a:t>STEP 3</a:t>
+              </a:r>
+              <a:endParaRPr lang="en-US" sz="1400" b="1" dirty="0">
+                <a:solidFill>
+                  <a:srgbClr val="5895C6"/>
+                </a:solidFill>
+                <a:latin typeface="Thonburi"/>
+                <a:cs typeface="Thonburi"/>
+              </a:endParaRPr>
+            </a:p>
+          </p:txBody>
+        </p:sp>
+        <p:pic>
+          <p:nvPicPr>
+            <p:cNvPr id="9" name="Picture 8"/>
+            <p:cNvPicPr>
+              <a:picLocks noChangeAspect="1"/>
+            </p:cNvPicPr>
+            <p:nvPr/>
+          </p:nvPicPr>
+          <p:blipFill>
+            <a:blip r:embed="rId2"/>
+            <a:stretch>
+              <a:fillRect/>
+            </a:stretch>
+          </p:blipFill>
+          <p:spPr>
+            <a:xfrm>
+              <a:off x="3073481" y="2015828"/>
+              <a:ext cx="459064" cy="459064"/>
+            </a:xfrm>
+            <a:prstGeom prst="rect">
+              <a:avLst/>
+            </a:prstGeom>
+          </p:spPr>
+        </p:pic>
+        <p:pic>
+          <p:nvPicPr>
+            <p:cNvPr id="10" name="Picture 9"/>
+            <p:cNvPicPr>
+              <a:picLocks noChangeAspect="1"/>
+            </p:cNvPicPr>
+            <p:nvPr/>
+          </p:nvPicPr>
+          <p:blipFill>
+            <a:blip r:embed="rId3"/>
+            <a:stretch>
+              <a:fillRect/>
+            </a:stretch>
+          </p:blipFill>
+          <p:spPr>
+            <a:xfrm>
+              <a:off x="4451350" y="1902064"/>
+              <a:ext cx="679450" cy="679450"/>
+            </a:xfrm>
+            <a:prstGeom prst="rect">
+              <a:avLst/>
+            </a:prstGeom>
+          </p:spPr>
+        </p:pic>
+        <p:pic>
+          <p:nvPicPr>
+            <p:cNvPr id="11" name="Picture 10"/>
+            <p:cNvPicPr>
+              <a:picLocks noChangeAspect="1"/>
+            </p:cNvPicPr>
+            <p:nvPr/>
+          </p:nvPicPr>
+          <p:blipFill>
+            <a:blip r:embed="rId4"/>
+            <a:stretch>
+              <a:fillRect/>
+            </a:stretch>
+          </p:blipFill>
+          <p:spPr>
+            <a:xfrm>
+              <a:off x="5805291" y="2001520"/>
+              <a:ext cx="578386" cy="578386"/>
+            </a:xfrm>
+            <a:prstGeom prst="rect">
+              <a:avLst/>
+            </a:prstGeom>
+          </p:spPr>
+        </p:pic>
+        <p:cxnSp>
+          <p:nvCxnSpPr>
+            <p:cNvPr id="15" name="Straight Arrow Connector 14"/>
+            <p:cNvCxnSpPr/>
+            <p:nvPr/>
+          </p:nvCxnSpPr>
+          <p:spPr>
+            <a:xfrm>
+              <a:off x="3817363" y="2425700"/>
+              <a:ext cx="336550" cy="0"/>
+            </a:xfrm>
+            <a:prstGeom prst="straightConnector1">
+              <a:avLst/>
+            </a:prstGeom>
+            <a:ln>
+              <a:prstDash val="dash"/>
+              <a:headEnd type="arrow"/>
+              <a:tailEnd type="arrow"/>
+            </a:ln>
+          </p:spPr>
+          <p:style>
+            <a:lnRef idx="2">
+              <a:schemeClr val="accent1"/>
+            </a:lnRef>
+            <a:fillRef idx="0">
+              <a:schemeClr val="accent1"/>
+            </a:fillRef>
+            <a:effectRef idx="1">
+              <a:schemeClr val="accent1"/>
+            </a:effectRef>
+            <a:fontRef idx="minor">
+              <a:schemeClr val="tx1"/>
+            </a:fontRef>
+          </p:style>
+        </p:cxnSp>
+        <p:sp>
+          <p:nvSpPr>
+            <p:cNvPr id="16" name="Up Ribbon 15"/>
+            <p:cNvSpPr/>
+            <p:nvPr/>
+          </p:nvSpPr>
+          <p:spPr>
+            <a:xfrm>
+              <a:off x="4050871" y="1066800"/>
+              <a:ext cx="1213279" cy="393700"/>
+            </a:xfrm>
+            <a:prstGeom prst="ribbon2">
+              <a:avLst>
+                <a:gd name="adj1" fmla="val 21875"/>
+                <a:gd name="adj2" fmla="val 75000"/>
+              </a:avLst>
+            </a:prstGeom>
           </p:spPr>
           <p:style>
             <a:lnRef idx="1">
@@ -8246,19 +8703,19 @@
         </p:sp>
         <p:sp>
           <p:nvSpPr>
-            <p:cNvPr id="4" name="TextBox 3"/>
+            <p:cNvPr id="19" name="TextBox 18"/>
             <p:cNvSpPr txBox="1"/>
             <p:nvPr/>
           </p:nvSpPr>
           <p:spPr>
             <a:xfrm>
-              <a:off x="-1063849" y="1778913"/>
-              <a:ext cx="2866800" cy="224030"/>
+              <a:off x="3961971" y="1085850"/>
+              <a:ext cx="1392092" cy="261610"/>
             </a:xfrm>
             <a:prstGeom prst="rect">
               <a:avLst/>
             </a:prstGeom>
-            <a:grpFill/>
+            <a:noFill/>
           </p:spPr>
           <p:txBody>
             <a:bodyPr wrap="square" rtlCol="0">
@@ -8268,18 +8725,102 @@
             <a:p>
               <a:pPr algn="ctr"/>
               <a:r>
-                <a:rPr lang="en-US" sz="2000" b="1" dirty="0" smtClean="0">
+                <a:rPr lang="en-US" sz="1100" b="1" dirty="0" smtClean="0">
                   <a:solidFill>
-                    <a:srgbClr val="2F6C83"/>
+                    <a:schemeClr val="bg1"/>
                   </a:solidFill>
                   <a:latin typeface="Thonburi"/>
                   <a:cs typeface="Thonburi"/>
                 </a:rPr>
-                <a:t>image</a:t>
+                <a:t>CREATORS</a:t>
               </a:r>
-              <a:endParaRPr lang="en-US" sz="2000" b="1" dirty="0">
+              <a:endParaRPr lang="en-US" sz="1100" b="1" dirty="0">
                 <a:solidFill>
-                  <a:srgbClr val="2F6C83"/>
+                  <a:schemeClr val="bg1"/>
+                </a:solidFill>
+                <a:latin typeface="Thonburi"/>
+                <a:cs typeface="Thonburi"/>
+              </a:endParaRPr>
+            </a:p>
+          </p:txBody>
+        </p:sp>
+        <p:sp>
+          <p:nvSpPr>
+            <p:cNvPr id="20" name="Up Ribbon 19"/>
+            <p:cNvSpPr/>
+            <p:nvPr/>
+          </p:nvSpPr>
+          <p:spPr>
+            <a:xfrm>
+              <a:off x="4166613" y="3892550"/>
+              <a:ext cx="1213279" cy="393700"/>
+            </a:xfrm>
+            <a:prstGeom prst="ribbon2">
+              <a:avLst>
+                <a:gd name="adj1" fmla="val 21875"/>
+                <a:gd name="adj2" fmla="val 75000"/>
+              </a:avLst>
+            </a:prstGeom>
+          </p:spPr>
+          <p:style>
+            <a:lnRef idx="1">
+              <a:schemeClr val="accent1"/>
+            </a:lnRef>
+            <a:fillRef idx="3">
+              <a:schemeClr val="accent1"/>
+            </a:fillRef>
+            <a:effectRef idx="2">
+              <a:schemeClr val="accent1"/>
+            </a:effectRef>
+            <a:fontRef idx="minor">
+              <a:schemeClr val="lt1"/>
+            </a:fontRef>
+          </p:style>
+          <p:txBody>
+            <a:bodyPr rtlCol="0" anchor="ctr"/>
+            <a:lstStyle/>
+            <a:p>
+              <a:pPr algn="ctr"/>
+              <a:endParaRPr lang="en-US"/>
+            </a:p>
+          </p:txBody>
+        </p:sp>
+        <p:sp>
+          <p:nvSpPr>
+            <p:cNvPr id="21" name="TextBox 20"/>
+            <p:cNvSpPr txBox="1"/>
+            <p:nvPr/>
+          </p:nvSpPr>
+          <p:spPr>
+            <a:xfrm>
+              <a:off x="4077713" y="3911600"/>
+              <a:ext cx="1392092" cy="261610"/>
+            </a:xfrm>
+            <a:prstGeom prst="rect">
+              <a:avLst/>
+            </a:prstGeom>
+            <a:noFill/>
+          </p:spPr>
+          <p:txBody>
+            <a:bodyPr wrap="square" rtlCol="0">
+              <a:spAutoFit/>
+            </a:bodyPr>
+            <a:lstStyle/>
+            <a:p>
+              <a:pPr algn="ctr"/>
+              <a:r>
+                <a:rPr lang="en-US" sz="1100" b="1" dirty="0" smtClean="0">
+                  <a:solidFill>
+                    <a:schemeClr val="bg1"/>
+                  </a:solidFill>
+                  <a:latin typeface="Thonburi"/>
+                  <a:cs typeface="Thonburi"/>
+                </a:rPr>
+                <a:t>BACKERS</a:t>
+              </a:r>
+              <a:endParaRPr lang="en-US" sz="1100" b="1" dirty="0">
+                <a:solidFill>
+                  <a:schemeClr val="bg1"/>
                 </a:solidFill>
                 <a:latin typeface="Thonburi"/>
                 <a:cs typeface="Thonburi"/>
@@ -8291,7 +8832,7 @@
     </p:spTree>
     <p:extLst>
       <p:ext uri="{BB962C8B-B14F-4D97-AF65-F5344CB8AC3E}">
-        <p14:creationId xmlns:p14="http://schemas.microsoft.com/office/powerpoint/2010/main" val="522053923"/>
+        <p14:creationId xmlns:p14="http://schemas.microsoft.com/office/powerpoint/2010/main" val="1321606606"/>
       </p:ext>
     </p:extLst>
   </p:cSld>
@@ -8301,7 +8842,7 @@
 </p:sld>
 </file>
 
-<file path=ppt/slides/slide4.xml><?xml version="1.0" encoding="utf-8"?>
+<file path=ppt/slides/slide5.xml><?xml version="1.0" encoding="utf-8"?>
 <p:sld xmlns:a="http://schemas.openxmlformats.org/drawingml/2006/main" xmlns:r="http://schemas.openxmlformats.org/officeDocument/2006/relationships" xmlns:p="http://schemas.openxmlformats.org/presentationml/2006/main">
   <p:cSld>
     <p:spTree>
@@ -8462,7 +9003,7 @@
 </p:sld>
 </file>
 
-<file path=ppt/slides/slide5.xml><?xml version="1.0" encoding="utf-8"?>
+<file path=ppt/slides/slide6.xml><?xml version="1.0" encoding="utf-8"?>
 <p:sld xmlns:a="http://schemas.openxmlformats.org/drawingml/2006/main" xmlns:r="http://schemas.openxmlformats.org/officeDocument/2006/relationships" xmlns:p="http://schemas.openxmlformats.org/presentationml/2006/main">
   <p:cSld>
     <p:spTree>

--- a/public/images/sign up button.pptx
+++ b/public/images/sign up button.pptx
@@ -5,15 +5,16 @@
     <p:sldMasterId id="2147483648" r:id="rId1"/>
   </p:sldMasterIdLst>
   <p:notesMasterIdLst>
-    <p:notesMasterId r:id="rId8"/>
+    <p:notesMasterId r:id="rId9"/>
   </p:notesMasterIdLst>
   <p:sldIdLst>
     <p:sldId id="256" r:id="rId2"/>
     <p:sldId id="257" r:id="rId3"/>
-    <p:sldId id="258" r:id="rId4"/>
-    <p:sldId id="261" r:id="rId5"/>
-    <p:sldId id="259" r:id="rId6"/>
-    <p:sldId id="260" r:id="rId7"/>
+    <p:sldId id="262" r:id="rId4"/>
+    <p:sldId id="258" r:id="rId5"/>
+    <p:sldId id="261" r:id="rId6"/>
+    <p:sldId id="259" r:id="rId7"/>
+    <p:sldId id="260" r:id="rId8"/>
   </p:sldIdLst>
   <p:sldSz cx="9144000" cy="6858000" type="screen4x3"/>
   <p:notesSz cx="6858000" cy="9144000"/>
@@ -8183,6 +8184,332 @@
       </p:grpSpPr>
       <p:sp>
         <p:nvSpPr>
+          <p:cNvPr id="7" name="Rounded Rectangle 6"/>
+          <p:cNvSpPr/>
+          <p:nvPr/>
+        </p:nvSpPr>
+        <p:spPr>
+          <a:xfrm>
+            <a:off x="3436842" y="3594099"/>
+            <a:ext cx="2091891" cy="283633"/>
+          </a:xfrm>
+          <a:prstGeom prst="roundRect">
+            <a:avLst>
+              <a:gd name="adj" fmla="val 11238"/>
+            </a:avLst>
+          </a:prstGeom>
+          <a:solidFill>
+            <a:schemeClr val="bg1">
+              <a:lumMod val="85000"/>
+            </a:schemeClr>
+          </a:solidFill>
+          <a:ln>
+            <a:solidFill>
+              <a:schemeClr val="bg1">
+                <a:lumMod val="65000"/>
+              </a:schemeClr>
+            </a:solidFill>
+          </a:ln>
+          <a:effectLst/>
+        </p:spPr>
+        <p:style>
+          <a:lnRef idx="1">
+            <a:schemeClr val="accent1"/>
+          </a:lnRef>
+          <a:fillRef idx="3">
+            <a:schemeClr val="accent1"/>
+          </a:fillRef>
+          <a:effectRef idx="2">
+            <a:schemeClr val="accent1"/>
+          </a:effectRef>
+          <a:fontRef idx="minor">
+            <a:schemeClr val="lt1"/>
+          </a:fontRef>
+        </p:style>
+        <p:txBody>
+          <a:bodyPr rtlCol="0" anchor="ctr"/>
+          <a:lstStyle/>
+          <a:p>
+            <a:pPr algn="ctr"/>
+            <a:endParaRPr lang="en-US" sz="2000"/>
+          </a:p>
+        </p:txBody>
+      </p:sp>
+      <p:sp>
+        <p:nvSpPr>
+          <p:cNvPr id="8" name="TextBox 7"/>
+          <p:cNvSpPr txBox="1"/>
+          <p:nvPr/>
+        </p:nvSpPr>
+        <p:spPr>
+          <a:xfrm>
+            <a:off x="3944590" y="3157038"/>
+            <a:ext cx="714519" cy="200055"/>
+          </a:xfrm>
+          <a:prstGeom prst="rect">
+            <a:avLst/>
+          </a:prstGeom>
+          <a:noFill/>
+        </p:spPr>
+        <p:txBody>
+          <a:bodyPr wrap="square" rtlCol="0">
+            <a:spAutoFit/>
+          </a:bodyPr>
+          <a:lstStyle/>
+          <a:p>
+            <a:r>
+              <a:rPr lang="en-US" sz="700" dirty="0" smtClean="0">
+                <a:solidFill>
+                  <a:schemeClr val="bg1">
+                    <a:lumMod val="50000"/>
+                  </a:schemeClr>
+                </a:solidFill>
+              </a:rPr>
+              <a:t>DOWNLOAD</a:t>
+            </a:r>
+            <a:endParaRPr lang="en-US" sz="700" dirty="0">
+              <a:solidFill>
+                <a:schemeClr val="bg1">
+                  <a:lumMod val="50000"/>
+                </a:schemeClr>
+              </a:solidFill>
+            </a:endParaRPr>
+          </a:p>
+        </p:txBody>
+      </p:sp>
+      <p:grpSp>
+        <p:nvGrpSpPr>
+          <p:cNvPr id="4" name="Group 3"/>
+          <p:cNvGrpSpPr/>
+          <p:nvPr/>
+        </p:nvGrpSpPr>
+        <p:grpSpPr>
+          <a:xfrm>
+            <a:off x="2635250" y="1289050"/>
+            <a:ext cx="2309563" cy="1447800"/>
+            <a:chOff x="2635250" y="1289050"/>
+            <a:chExt cx="2309563" cy="1447800"/>
+          </a:xfrm>
+        </p:grpSpPr>
+        <p:sp>
+          <p:nvSpPr>
+            <p:cNvPr id="3" name="Rounded Rectangle 2"/>
+            <p:cNvSpPr/>
+            <p:nvPr/>
+          </p:nvSpPr>
+          <p:spPr>
+            <a:xfrm>
+              <a:off x="2673350" y="1289050"/>
+              <a:ext cx="2271463" cy="1447800"/>
+            </a:xfrm>
+            <a:prstGeom prst="roundRect">
+              <a:avLst>
+                <a:gd name="adj" fmla="val 5417"/>
+              </a:avLst>
+            </a:prstGeom>
+            <a:solidFill>
+              <a:schemeClr val="bg1">
+                <a:lumMod val="95000"/>
+              </a:schemeClr>
+            </a:solidFill>
+            <a:ln>
+              <a:solidFill>
+                <a:schemeClr val="bg1">
+                  <a:lumMod val="85000"/>
+                </a:schemeClr>
+              </a:solidFill>
+            </a:ln>
+          </p:spPr>
+          <p:style>
+            <a:lnRef idx="1">
+              <a:schemeClr val="accent1"/>
+            </a:lnRef>
+            <a:fillRef idx="3">
+              <a:schemeClr val="accent1"/>
+            </a:fillRef>
+            <a:effectRef idx="2">
+              <a:schemeClr val="accent1"/>
+            </a:effectRef>
+            <a:fontRef idx="minor">
+              <a:schemeClr val="lt1"/>
+            </a:fontRef>
+          </p:style>
+          <p:txBody>
+            <a:bodyPr rtlCol="0" anchor="ctr"/>
+            <a:lstStyle/>
+            <a:p>
+              <a:pPr algn="ctr"/>
+              <a:endParaRPr lang="en-US"/>
+            </a:p>
+          </p:txBody>
+        </p:sp>
+        <p:sp>
+          <p:nvSpPr>
+            <p:cNvPr id="2" name="TextBox 1"/>
+            <p:cNvSpPr txBox="1"/>
+            <p:nvPr/>
+          </p:nvSpPr>
+          <p:spPr>
+            <a:xfrm>
+              <a:off x="2635250" y="1378803"/>
+              <a:ext cx="2143001" cy="1015663"/>
+            </a:xfrm>
+            <a:prstGeom prst="rect">
+              <a:avLst/>
+            </a:prstGeom>
+            <a:noFill/>
+          </p:spPr>
+          <p:txBody>
+            <a:bodyPr wrap="square" rtlCol="0">
+              <a:spAutoFit/>
+            </a:bodyPr>
+            <a:lstStyle/>
+            <a:p>
+              <a:pPr algn="ctr"/>
+              <a:r>
+                <a:rPr lang="en-US" sz="2000" b="1" dirty="0" smtClean="0">
+                  <a:solidFill>
+                    <a:srgbClr val="2F6C83"/>
+                  </a:solidFill>
+                  <a:latin typeface="Thonburi"/>
+                  <a:cs typeface="Thonburi"/>
+                </a:rPr>
+                <a:t>A Beginner’s Guide to Investing</a:t>
+              </a:r>
+              <a:endParaRPr lang="en-US" sz="2000" b="1" dirty="0">
+                <a:solidFill>
+                  <a:srgbClr val="2F6C83"/>
+                </a:solidFill>
+                <a:latin typeface="Thonburi"/>
+                <a:cs typeface="Thonburi"/>
+              </a:endParaRPr>
+            </a:p>
+          </p:txBody>
+        </p:sp>
+        <p:sp>
+          <p:nvSpPr>
+            <p:cNvPr id="11" name="TextBox 10"/>
+            <p:cNvSpPr txBox="1"/>
+            <p:nvPr/>
+          </p:nvSpPr>
+          <p:spPr>
+            <a:xfrm>
+              <a:off x="2844800" y="2105739"/>
+              <a:ext cx="757106" cy="276999"/>
+            </a:xfrm>
+            <a:prstGeom prst="rect">
+              <a:avLst/>
+            </a:prstGeom>
+            <a:noFill/>
+          </p:spPr>
+          <p:txBody>
+            <a:bodyPr wrap="square" rtlCol="0">
+              <a:spAutoFit/>
+            </a:bodyPr>
+            <a:lstStyle/>
+            <a:p>
+              <a:pPr algn="ctr"/>
+              <a:r>
+                <a:rPr lang="en-US" sz="1200" dirty="0" smtClean="0">
+                  <a:solidFill>
+                    <a:schemeClr val="tx1">
+                      <a:lumMod val="65000"/>
+                      <a:lumOff val="35000"/>
+                    </a:schemeClr>
+                  </a:solidFill>
+                  <a:latin typeface="Helvetica"/>
+                  <a:cs typeface="Helvetica"/>
+                </a:rPr>
+                <a:t>15</a:t>
+              </a:r>
+              <a:endParaRPr lang="en-US" sz="1200" dirty="0">
+                <a:solidFill>
+                  <a:schemeClr val="tx1">
+                    <a:lumMod val="65000"/>
+                    <a:lumOff val="35000"/>
+                  </a:schemeClr>
+                </a:solidFill>
+                <a:latin typeface="Helvetica"/>
+                <a:cs typeface="Helvetica"/>
+              </a:endParaRPr>
+            </a:p>
+          </p:txBody>
+        </p:sp>
+        <p:sp>
+          <p:nvSpPr>
+            <p:cNvPr id="9" name="TextBox 8"/>
+            <p:cNvSpPr txBox="1"/>
+            <p:nvPr/>
+          </p:nvSpPr>
+          <p:spPr>
+            <a:xfrm>
+              <a:off x="2893195" y="2395767"/>
+              <a:ext cx="714519" cy="200055"/>
+            </a:xfrm>
+            <a:prstGeom prst="rect">
+              <a:avLst/>
+            </a:prstGeom>
+            <a:noFill/>
+          </p:spPr>
+          <p:txBody>
+            <a:bodyPr wrap="square" rtlCol="0">
+              <a:spAutoFit/>
+            </a:bodyPr>
+            <a:lstStyle/>
+            <a:p>
+              <a:r>
+                <a:rPr lang="en-US" sz="700" dirty="0" smtClean="0">
+                  <a:solidFill>
+                    <a:schemeClr val="bg1">
+                      <a:lumMod val="50000"/>
+                    </a:schemeClr>
+                  </a:solidFill>
+                </a:rPr>
+                <a:t>DOWNLOAD</a:t>
+              </a:r>
+              <a:endParaRPr lang="en-US" sz="700" dirty="0">
+                <a:solidFill>
+                  <a:schemeClr val="bg1">
+                    <a:lumMod val="50000"/>
+                  </a:schemeClr>
+                </a:solidFill>
+              </a:endParaRPr>
+            </a:p>
+          </p:txBody>
+        </p:sp>
+      </p:grpSp>
+    </p:spTree>
+    <p:extLst>
+      <p:ext uri="{BB962C8B-B14F-4D97-AF65-F5344CB8AC3E}">
+        <p14:creationId xmlns:p14="http://schemas.microsoft.com/office/powerpoint/2010/main" val="1635622048"/>
+      </p:ext>
+    </p:extLst>
+  </p:cSld>
+  <p:clrMapOvr>
+    <a:masterClrMapping/>
+  </p:clrMapOvr>
+</p:sld>
+</file>
+
+<file path=ppt/slides/slide4.xml><?xml version="1.0" encoding="utf-8"?>
+<p:sld xmlns:a="http://schemas.openxmlformats.org/drawingml/2006/main" xmlns:r="http://schemas.openxmlformats.org/officeDocument/2006/relationships" xmlns:p="http://schemas.openxmlformats.org/presentationml/2006/main">
+  <p:cSld>
+    <p:spTree>
+      <p:nvGrpSpPr>
+        <p:cNvPr id="1" name=""/>
+        <p:cNvGrpSpPr/>
+        <p:nvPr/>
+      </p:nvGrpSpPr>
+      <p:grpSpPr>
+        <a:xfrm>
+          <a:off x="0" y="0"/>
+          <a:ext cx="0" cy="0"/>
+          <a:chOff x="0" y="0"/>
+          <a:chExt cx="0" cy="0"/>
+        </a:xfrm>
+      </p:grpSpPr>
+      <p:sp>
+        <p:nvSpPr>
           <p:cNvPr id="3" name="Rounded Rectangle 2"/>
           <p:cNvSpPr/>
           <p:nvPr/>
@@ -8315,7 +8642,7 @@
 </p:sld>
 </file>
 
-<file path=ppt/slides/slide4.xml><?xml version="1.0" encoding="utf-8"?>
+<file path=ppt/slides/slide5.xml><?xml version="1.0" encoding="utf-8"?>
 <p:sld xmlns:a="http://schemas.openxmlformats.org/drawingml/2006/main" xmlns:r="http://schemas.openxmlformats.org/officeDocument/2006/relationships" xmlns:p="http://schemas.openxmlformats.org/presentationml/2006/main">
   <p:cSld>
     <p:spTree>
@@ -8842,7 +9169,7 @@
 </p:sld>
 </file>
 
-<file path=ppt/slides/slide5.xml><?xml version="1.0" encoding="utf-8"?>
+<file path=ppt/slides/slide6.xml><?xml version="1.0" encoding="utf-8"?>
 <p:sld xmlns:a="http://schemas.openxmlformats.org/drawingml/2006/main" xmlns:r="http://schemas.openxmlformats.org/officeDocument/2006/relationships" xmlns:p="http://schemas.openxmlformats.org/presentationml/2006/main">
   <p:cSld>
     <p:spTree>
@@ -9003,7 +9330,7 @@
 </p:sld>
 </file>
 
-<file path=ppt/slides/slide6.xml><?xml version="1.0" encoding="utf-8"?>
+<file path=ppt/slides/slide7.xml><?xml version="1.0" encoding="utf-8"?>
 <p:sld xmlns:a="http://schemas.openxmlformats.org/drawingml/2006/main" xmlns:r="http://schemas.openxmlformats.org/officeDocument/2006/relationships" xmlns:p="http://schemas.openxmlformats.org/presentationml/2006/main">
   <p:cSld>
     <p:spTree>
